--- a/Project 9 Drunk Driving.pptx
+++ b/Project 9 Drunk Driving.pptx
@@ -6,10 +6,11 @@
   </p:sldMasterIdLst>
   <p:sldIdLst>
     <p:sldId id="256" r:id="rId2"/>
-    <p:sldId id="259" r:id="rId3"/>
-    <p:sldId id="257" r:id="rId4"/>
-    <p:sldId id="258" r:id="rId5"/>
-    <p:sldId id="260" r:id="rId6"/>
+    <p:sldId id="261" r:id="rId3"/>
+    <p:sldId id="259" r:id="rId4"/>
+    <p:sldId id="257" r:id="rId5"/>
+    <p:sldId id="258" r:id="rId6"/>
+    <p:sldId id="260" r:id="rId7"/>
   </p:sldIdLst>
   <p:sldSz cx="12192000" cy="6858000"/>
   <p:notesSz cx="6858000" cy="9144000"/>
@@ -108,7 +109,49 @@
       </a:defRPr>
     </a:lvl9pPr>
   </p:defaultTextStyle>
+  <p:extLst>
+    <p:ext uri="{EFAFB233-063F-42B5-8137-9DF3F51BA10A}">
+      <p15:sldGuideLst xmlns:p15="http://schemas.microsoft.com/office/powerpoint/2012/main"/>
+    </p:ext>
+  </p:extLst>
 </p:presentation>
+</file>
+
+<file path=ppt/changesInfos/changesInfo1.xml><?xml version="1.0" encoding="utf-8"?>
+<pc:chgInfo xmlns:a="http://schemas.openxmlformats.org/drawingml/2006/main" xmlns:r="http://schemas.openxmlformats.org/officeDocument/2006/relationships" xmlns:ac="http://schemas.microsoft.com/office/drawing/2013/main/command" xmlns:pc="http://schemas.microsoft.com/office/powerpoint/2013/main/command">
+  <pc:docChgLst>
+    <pc:chgData name="Luk Sullock Enzlin" userId="e9eb4acdf8367c4e" providerId="LiveId" clId="{35145A44-4BBE-4D55-A273-A67DA10898DA}"/>
+    <pc:docChg chg="custSel addSld modSld">
+      <pc:chgData name="Luk Sullock Enzlin" userId="e9eb4acdf8367c4e" providerId="LiveId" clId="{35145A44-4BBE-4D55-A273-A67DA10898DA}" dt="2025-03-18T15:34:42.341" v="257" actId="20577"/>
+      <pc:docMkLst>
+        <pc:docMk/>
+      </pc:docMkLst>
+      <pc:sldChg chg="modSp new mod">
+        <pc:chgData name="Luk Sullock Enzlin" userId="e9eb4acdf8367c4e" providerId="LiveId" clId="{35145A44-4BBE-4D55-A273-A67DA10898DA}" dt="2025-03-18T15:34:42.341" v="257" actId="20577"/>
+        <pc:sldMkLst>
+          <pc:docMk/>
+          <pc:sldMk cId="3116760643" sldId="261"/>
+        </pc:sldMkLst>
+        <pc:spChg chg="mod">
+          <ac:chgData name="Luk Sullock Enzlin" userId="e9eb4acdf8367c4e" providerId="LiveId" clId="{35145A44-4BBE-4D55-A273-A67DA10898DA}" dt="2025-03-18T15:27:21.715" v="37" actId="20577"/>
+          <ac:spMkLst>
+            <pc:docMk/>
+            <pc:sldMk cId="3116760643" sldId="261"/>
+            <ac:spMk id="2" creationId="{E84113F4-4CED-4AA7-0288-9FC5198126F2}"/>
+          </ac:spMkLst>
+        </pc:spChg>
+        <pc:spChg chg="mod">
+          <ac:chgData name="Luk Sullock Enzlin" userId="e9eb4acdf8367c4e" providerId="LiveId" clId="{35145A44-4BBE-4D55-A273-A67DA10898DA}" dt="2025-03-18T15:34:42.341" v="257" actId="20577"/>
+          <ac:spMkLst>
+            <pc:docMk/>
+            <pc:sldMk cId="3116760643" sldId="261"/>
+            <ac:spMk id="3" creationId="{F0007061-D6BD-98AC-E00F-28D564B07E79}"/>
+          </ac:spMkLst>
+        </pc:spChg>
+      </pc:sldChg>
+    </pc:docChg>
+  </pc:docChgLst>
+</pc:chgInfo>
 </file>
 
 <file path=ppt/slideLayouts/slideLayout1.xml><?xml version="1.0" encoding="utf-8"?>
@@ -260,7 +303,7 @@
           <a:p>
             <a:fld id="{0659257D-0CA9-4326-A230-4265EA945919}" type="datetimeFigureOut">
               <a:rPr lang="en-NL" smtClean="0"/>
-              <a:t>11/03/2025</a:t>
+              <a:t>18/03/2025</a:t>
             </a:fld>
             <a:endParaRPr lang="en-NL"/>
           </a:p>
@@ -460,7 +503,7 @@
           <a:p>
             <a:fld id="{0659257D-0CA9-4326-A230-4265EA945919}" type="datetimeFigureOut">
               <a:rPr lang="en-NL" smtClean="0"/>
-              <a:t>11/03/2025</a:t>
+              <a:t>18/03/2025</a:t>
             </a:fld>
             <a:endParaRPr lang="en-NL"/>
           </a:p>
@@ -670,7 +713,7 @@
           <a:p>
             <a:fld id="{0659257D-0CA9-4326-A230-4265EA945919}" type="datetimeFigureOut">
               <a:rPr lang="en-NL" smtClean="0"/>
-              <a:t>11/03/2025</a:t>
+              <a:t>18/03/2025</a:t>
             </a:fld>
             <a:endParaRPr lang="en-NL"/>
           </a:p>
@@ -870,7 +913,7 @@
           <a:p>
             <a:fld id="{0659257D-0CA9-4326-A230-4265EA945919}" type="datetimeFigureOut">
               <a:rPr lang="en-NL" smtClean="0"/>
-              <a:t>11/03/2025</a:t>
+              <a:t>18/03/2025</a:t>
             </a:fld>
             <a:endParaRPr lang="en-NL"/>
           </a:p>
@@ -1146,7 +1189,7 @@
           <a:p>
             <a:fld id="{0659257D-0CA9-4326-A230-4265EA945919}" type="datetimeFigureOut">
               <a:rPr lang="en-NL" smtClean="0"/>
-              <a:t>11/03/2025</a:t>
+              <a:t>18/03/2025</a:t>
             </a:fld>
             <a:endParaRPr lang="en-NL"/>
           </a:p>
@@ -1414,7 +1457,7 @@
           <a:p>
             <a:fld id="{0659257D-0CA9-4326-A230-4265EA945919}" type="datetimeFigureOut">
               <a:rPr lang="en-NL" smtClean="0"/>
-              <a:t>11/03/2025</a:t>
+              <a:t>18/03/2025</a:t>
             </a:fld>
             <a:endParaRPr lang="en-NL"/>
           </a:p>
@@ -1829,7 +1872,7 @@
           <a:p>
             <a:fld id="{0659257D-0CA9-4326-A230-4265EA945919}" type="datetimeFigureOut">
               <a:rPr lang="en-NL" smtClean="0"/>
-              <a:t>11/03/2025</a:t>
+              <a:t>18/03/2025</a:t>
             </a:fld>
             <a:endParaRPr lang="en-NL"/>
           </a:p>
@@ -1971,7 +2014,7 @@
           <a:p>
             <a:fld id="{0659257D-0CA9-4326-A230-4265EA945919}" type="datetimeFigureOut">
               <a:rPr lang="en-NL" smtClean="0"/>
-              <a:t>11/03/2025</a:t>
+              <a:t>18/03/2025</a:t>
             </a:fld>
             <a:endParaRPr lang="en-NL"/>
           </a:p>
@@ -2084,7 +2127,7 @@
           <a:p>
             <a:fld id="{0659257D-0CA9-4326-A230-4265EA945919}" type="datetimeFigureOut">
               <a:rPr lang="en-NL" smtClean="0"/>
-              <a:t>11/03/2025</a:t>
+              <a:t>18/03/2025</a:t>
             </a:fld>
             <a:endParaRPr lang="en-NL"/>
           </a:p>
@@ -2397,7 +2440,7 @@
           <a:p>
             <a:fld id="{0659257D-0CA9-4326-A230-4265EA945919}" type="datetimeFigureOut">
               <a:rPr lang="en-NL" smtClean="0"/>
-              <a:t>11/03/2025</a:t>
+              <a:t>18/03/2025</a:t>
             </a:fld>
             <a:endParaRPr lang="en-NL"/>
           </a:p>
@@ -2686,7 +2729,7 @@
           <a:p>
             <a:fld id="{0659257D-0CA9-4326-A230-4265EA945919}" type="datetimeFigureOut">
               <a:rPr lang="en-NL" smtClean="0"/>
-              <a:t>11/03/2025</a:t>
+              <a:t>18/03/2025</a:t>
             </a:fld>
             <a:endParaRPr lang="en-NL"/>
           </a:p>
@@ -2929,7 +2972,7 @@
           <a:p>
             <a:fld id="{0659257D-0CA9-4326-A230-4265EA945919}" type="datetimeFigureOut">
               <a:rPr lang="en-NL" smtClean="0"/>
-              <a:t>11/03/2025</a:t>
+              <a:t>18/03/2025</a:t>
             </a:fld>
             <a:endParaRPr lang="en-NL"/>
           </a:p>
@@ -3468,6 +3511,112 @@
           <p:cNvPr id="2" name="Title 1">
             <a:extLst>
               <a:ext uri="{FF2B5EF4-FFF2-40B4-BE49-F238E27FC236}">
+                <a16:creationId xmlns:a16="http://schemas.microsoft.com/office/drawing/2014/main" id="{E84113F4-4CED-4AA7-0288-9FC5198126F2}"/>
+              </a:ext>
+            </a:extLst>
+          </p:cNvPr>
+          <p:cNvSpPr>
+            <a:spLocks noGrp="1"/>
+          </p:cNvSpPr>
+          <p:nvPr>
+            <p:ph type="title"/>
+          </p:nvPr>
+        </p:nvSpPr>
+        <p:spPr/>
+        <p:txBody>
+          <a:bodyPr/>
+          <a:lstStyle/>
+          <a:p>
+            <a:r>
+              <a:rPr lang="en-GB" dirty="0"/>
+              <a:t>Small self propelling particles</a:t>
+            </a:r>
+            <a:endParaRPr lang="en-NL" dirty="0"/>
+          </a:p>
+        </p:txBody>
+      </p:sp>
+      <p:sp>
+        <p:nvSpPr>
+          <p:cNvPr id="3" name="Content Placeholder 2">
+            <a:extLst>
+              <a:ext uri="{FF2B5EF4-FFF2-40B4-BE49-F238E27FC236}">
+                <a16:creationId xmlns:a16="http://schemas.microsoft.com/office/drawing/2014/main" id="{F0007061-D6BD-98AC-E00F-28D564B07E79}"/>
+              </a:ext>
+            </a:extLst>
+          </p:cNvPr>
+          <p:cNvSpPr>
+            <a:spLocks noGrp="1"/>
+          </p:cNvSpPr>
+          <p:nvPr>
+            <p:ph idx="1"/>
+          </p:nvPr>
+        </p:nvSpPr>
+        <p:spPr/>
+        <p:txBody>
+          <a:bodyPr/>
+          <a:lstStyle/>
+          <a:p>
+            <a:r>
+              <a:rPr lang="en-GB" dirty="0"/>
+              <a:t>Bacteria and cells can create complex systems</a:t>
+            </a:r>
+          </a:p>
+          <a:p>
+            <a:pPr lvl="1"/>
+            <a:r>
+              <a:rPr lang="en-GB" dirty="0"/>
+              <a:t>Hard to predict</a:t>
+            </a:r>
+          </a:p>
+          <a:p>
+            <a:pPr lvl="1"/>
+            <a:r>
+              <a:rPr lang="en-GB" dirty="0"/>
+              <a:t>Minimum requirements for </a:t>
+            </a:r>
+            <a:r>
+              <a:rPr lang="en-GB"/>
+              <a:t>a system</a:t>
+            </a:r>
+            <a:endParaRPr lang="en-GB" dirty="0"/>
+          </a:p>
+        </p:txBody>
+      </p:sp>
+    </p:spTree>
+    <p:extLst>
+      <p:ext uri="{BB962C8B-B14F-4D97-AF65-F5344CB8AC3E}">
+        <p14:creationId xmlns:p14="http://schemas.microsoft.com/office/powerpoint/2010/main" val="3116760643"/>
+      </p:ext>
+    </p:extLst>
+  </p:cSld>
+  <p:clrMapOvr>
+    <a:masterClrMapping/>
+  </p:clrMapOvr>
+</p:sld>
+</file>
+
+<file path=ppt/slides/slide3.xml><?xml version="1.0" encoding="utf-8"?>
+<p:sld xmlns:a="http://schemas.openxmlformats.org/drawingml/2006/main" xmlns:r="http://schemas.openxmlformats.org/officeDocument/2006/relationships" xmlns:p="http://schemas.openxmlformats.org/presentationml/2006/main">
+  <p:cSld>
+    <p:spTree>
+      <p:nvGrpSpPr>
+        <p:cNvPr id="1" name=""/>
+        <p:cNvGrpSpPr/>
+        <p:nvPr/>
+      </p:nvGrpSpPr>
+      <p:grpSpPr>
+        <a:xfrm>
+          <a:off x="0" y="0"/>
+          <a:ext cx="0" cy="0"/>
+          <a:chOff x="0" y="0"/>
+          <a:chExt cx="0" cy="0"/>
+        </a:xfrm>
+      </p:grpSpPr>
+      <p:sp>
+        <p:nvSpPr>
+          <p:cNvPr id="2" name="Title 1">
+            <a:extLst>
+              <a:ext uri="{FF2B5EF4-FFF2-40B4-BE49-F238E27FC236}">
                 <a16:creationId xmlns:a16="http://schemas.microsoft.com/office/drawing/2014/main" id="{9301C803-473E-A827-73A5-151C6B35D412}"/>
               </a:ext>
             </a:extLst>
@@ -3945,163 +4094,6 @@
 </p:sld>
 </file>
 
-<file path=ppt/slides/slide3.xml><?xml version="1.0" encoding="utf-8"?>
-<p:sld xmlns:a="http://schemas.openxmlformats.org/drawingml/2006/main" xmlns:r="http://schemas.openxmlformats.org/officeDocument/2006/relationships" xmlns:p="http://schemas.openxmlformats.org/presentationml/2006/main">
-  <p:cSld>
-    <p:spTree>
-      <p:nvGrpSpPr>
-        <p:cNvPr id="1" name=""/>
-        <p:cNvGrpSpPr/>
-        <p:nvPr/>
-      </p:nvGrpSpPr>
-      <p:grpSpPr>
-        <a:xfrm>
-          <a:off x="0" y="0"/>
-          <a:ext cx="0" cy="0"/>
-          <a:chOff x="0" y="0"/>
-          <a:chExt cx="0" cy="0"/>
-        </a:xfrm>
-      </p:grpSpPr>
-      <p:sp>
-        <p:nvSpPr>
-          <p:cNvPr id="2" name="Title 1">
-            <a:extLst>
-              <a:ext uri="{FF2B5EF4-FFF2-40B4-BE49-F238E27FC236}">
-                <a16:creationId xmlns:a16="http://schemas.microsoft.com/office/drawing/2014/main" id="{6F04B927-41B3-13AB-61E4-6C311E1B5480}"/>
-              </a:ext>
-            </a:extLst>
-          </p:cNvPr>
-          <p:cNvSpPr>
-            <a:spLocks noGrp="1"/>
-          </p:cNvSpPr>
-          <p:nvPr>
-            <p:ph type="title"/>
-          </p:nvPr>
-        </p:nvSpPr>
-        <p:spPr/>
-        <p:txBody>
-          <a:bodyPr/>
-          <a:lstStyle/>
-          <a:p>
-            <a:r>
-              <a:rPr lang="en-GB" dirty="0"/>
-              <a:t>Goals</a:t>
-            </a:r>
-            <a:endParaRPr lang="en-NL" dirty="0"/>
-          </a:p>
-        </p:txBody>
-      </p:sp>
-      <p:sp>
-        <p:nvSpPr>
-          <p:cNvPr id="3" name="Content Placeholder 2">
-            <a:extLst>
-              <a:ext uri="{FF2B5EF4-FFF2-40B4-BE49-F238E27FC236}">
-                <a16:creationId xmlns:a16="http://schemas.microsoft.com/office/drawing/2014/main" id="{7357D617-90E8-2403-CCA4-D4FEE898F7AA}"/>
-              </a:ext>
-            </a:extLst>
-          </p:cNvPr>
-          <p:cNvSpPr>
-            <a:spLocks noGrp="1"/>
-          </p:cNvSpPr>
-          <p:nvPr>
-            <p:ph idx="1"/>
-          </p:nvPr>
-        </p:nvSpPr>
-        <p:spPr/>
-        <p:txBody>
-          <a:bodyPr/>
-          <a:lstStyle/>
-          <a:p>
-            <a:pPr marL="0" indent="0">
-              <a:buNone/>
-            </a:pPr>
-            <a:r>
-              <a:rPr lang="en-GB" dirty="0"/>
-              <a:t>Primary:</a:t>
-            </a:r>
-          </a:p>
-          <a:p>
-            <a:pPr marL="514350" indent="-514350">
-              <a:buFont typeface="+mj-lt"/>
-              <a:buAutoNum type="arabicPeriod"/>
-            </a:pPr>
-            <a:r>
-              <a:rPr lang="en-GB" dirty="0"/>
-              <a:t>Steering mechanism</a:t>
-            </a:r>
-          </a:p>
-          <a:p>
-            <a:pPr marL="0" indent="0">
-              <a:buNone/>
-            </a:pPr>
-            <a:r>
-              <a:rPr lang="en-GB" dirty="0"/>
-              <a:t>Secondary:</a:t>
-            </a:r>
-          </a:p>
-          <a:p>
-            <a:pPr marL="514350" indent="-514350">
-              <a:buFont typeface="+mj-lt"/>
-              <a:buAutoNum type="arabicPeriod"/>
-            </a:pPr>
-            <a:r>
-              <a:rPr lang="en-GB" dirty="0"/>
-              <a:t>Controllable fuel dispensation</a:t>
-            </a:r>
-          </a:p>
-          <a:p>
-            <a:pPr marL="514350" indent="-514350">
-              <a:buFont typeface="+mj-lt"/>
-              <a:buAutoNum type="arabicPeriod"/>
-            </a:pPr>
-            <a:r>
-              <a:rPr lang="en-GB" dirty="0"/>
-              <a:t>Work on solar panels</a:t>
-            </a:r>
-          </a:p>
-          <a:p>
-            <a:pPr marL="0" indent="0">
-              <a:buNone/>
-            </a:pPr>
-            <a:endParaRPr lang="en-GB" dirty="0"/>
-          </a:p>
-          <a:p>
-            <a:pPr marL="0" indent="0">
-              <a:buNone/>
-            </a:pPr>
-            <a:r>
-              <a:rPr lang="en-GB" dirty="0"/>
-              <a:t>Backup plan:</a:t>
-            </a:r>
-          </a:p>
-          <a:p>
-            <a:pPr marL="514350" indent="-514350">
-              <a:buFont typeface="+mj-lt"/>
-              <a:buAutoNum type="arabicPeriod"/>
-            </a:pPr>
-            <a:r>
-              <a:rPr lang="en-GB" dirty="0"/>
-              <a:t>Sail straight</a:t>
-            </a:r>
-          </a:p>
-          <a:p>
-            <a:endParaRPr lang="en-NL" dirty="0"/>
-          </a:p>
-        </p:txBody>
-      </p:sp>
-    </p:spTree>
-    <p:extLst>
-      <p:ext uri="{BB962C8B-B14F-4D97-AF65-F5344CB8AC3E}">
-        <p14:creationId xmlns:p14="http://schemas.microsoft.com/office/powerpoint/2010/main" val="4201719189"/>
-      </p:ext>
-    </p:extLst>
-  </p:cSld>
-  <p:clrMapOvr>
-    <a:masterClrMapping/>
-  </p:clrMapOvr>
-</p:sld>
-</file>
-
 <file path=ppt/slides/slide4.xml><?xml version="1.0" encoding="utf-8"?>
 <p:sld xmlns:a="http://schemas.openxmlformats.org/drawingml/2006/main" xmlns:r="http://schemas.openxmlformats.org/officeDocument/2006/relationships" xmlns:p="http://schemas.openxmlformats.org/presentationml/2006/main">
   <p:cSld>
@@ -4124,6 +4116,163 @@
           <p:cNvPr id="2" name="Title 1">
             <a:extLst>
               <a:ext uri="{FF2B5EF4-FFF2-40B4-BE49-F238E27FC236}">
+                <a16:creationId xmlns:a16="http://schemas.microsoft.com/office/drawing/2014/main" id="{6F04B927-41B3-13AB-61E4-6C311E1B5480}"/>
+              </a:ext>
+            </a:extLst>
+          </p:cNvPr>
+          <p:cNvSpPr>
+            <a:spLocks noGrp="1"/>
+          </p:cNvSpPr>
+          <p:nvPr>
+            <p:ph type="title"/>
+          </p:nvPr>
+        </p:nvSpPr>
+        <p:spPr/>
+        <p:txBody>
+          <a:bodyPr/>
+          <a:lstStyle/>
+          <a:p>
+            <a:r>
+              <a:rPr lang="en-GB" dirty="0"/>
+              <a:t>Goals</a:t>
+            </a:r>
+            <a:endParaRPr lang="en-NL" dirty="0"/>
+          </a:p>
+        </p:txBody>
+      </p:sp>
+      <p:sp>
+        <p:nvSpPr>
+          <p:cNvPr id="3" name="Content Placeholder 2">
+            <a:extLst>
+              <a:ext uri="{FF2B5EF4-FFF2-40B4-BE49-F238E27FC236}">
+                <a16:creationId xmlns:a16="http://schemas.microsoft.com/office/drawing/2014/main" id="{7357D617-90E8-2403-CCA4-D4FEE898F7AA}"/>
+              </a:ext>
+            </a:extLst>
+          </p:cNvPr>
+          <p:cNvSpPr>
+            <a:spLocks noGrp="1"/>
+          </p:cNvSpPr>
+          <p:nvPr>
+            <p:ph idx="1"/>
+          </p:nvPr>
+        </p:nvSpPr>
+        <p:spPr/>
+        <p:txBody>
+          <a:bodyPr/>
+          <a:lstStyle/>
+          <a:p>
+            <a:pPr marL="0" indent="0">
+              <a:buNone/>
+            </a:pPr>
+            <a:r>
+              <a:rPr lang="en-GB" dirty="0"/>
+              <a:t>Primary:</a:t>
+            </a:r>
+          </a:p>
+          <a:p>
+            <a:pPr marL="514350" indent="-514350">
+              <a:buFont typeface="+mj-lt"/>
+              <a:buAutoNum type="arabicPeriod"/>
+            </a:pPr>
+            <a:r>
+              <a:rPr lang="en-GB" dirty="0"/>
+              <a:t>Steering mechanism</a:t>
+            </a:r>
+          </a:p>
+          <a:p>
+            <a:pPr marL="0" indent="0">
+              <a:buNone/>
+            </a:pPr>
+            <a:r>
+              <a:rPr lang="en-GB" dirty="0"/>
+              <a:t>Secondary:</a:t>
+            </a:r>
+          </a:p>
+          <a:p>
+            <a:pPr marL="514350" indent="-514350">
+              <a:buFont typeface="+mj-lt"/>
+              <a:buAutoNum type="arabicPeriod"/>
+            </a:pPr>
+            <a:r>
+              <a:rPr lang="en-GB" dirty="0"/>
+              <a:t>Controllable fuel dispensation</a:t>
+            </a:r>
+          </a:p>
+          <a:p>
+            <a:pPr marL="514350" indent="-514350">
+              <a:buFont typeface="+mj-lt"/>
+              <a:buAutoNum type="arabicPeriod"/>
+            </a:pPr>
+            <a:r>
+              <a:rPr lang="en-GB" dirty="0"/>
+              <a:t>Work on solar panels</a:t>
+            </a:r>
+          </a:p>
+          <a:p>
+            <a:pPr marL="0" indent="0">
+              <a:buNone/>
+            </a:pPr>
+            <a:endParaRPr lang="en-GB" dirty="0"/>
+          </a:p>
+          <a:p>
+            <a:pPr marL="0" indent="0">
+              <a:buNone/>
+            </a:pPr>
+            <a:r>
+              <a:rPr lang="en-GB" dirty="0"/>
+              <a:t>Backup plan:</a:t>
+            </a:r>
+          </a:p>
+          <a:p>
+            <a:pPr marL="514350" indent="-514350">
+              <a:buFont typeface="+mj-lt"/>
+              <a:buAutoNum type="arabicPeriod"/>
+            </a:pPr>
+            <a:r>
+              <a:rPr lang="en-GB" dirty="0"/>
+              <a:t>Sail straight</a:t>
+            </a:r>
+          </a:p>
+          <a:p>
+            <a:endParaRPr lang="en-NL" dirty="0"/>
+          </a:p>
+        </p:txBody>
+      </p:sp>
+    </p:spTree>
+    <p:extLst>
+      <p:ext uri="{BB962C8B-B14F-4D97-AF65-F5344CB8AC3E}">
+        <p14:creationId xmlns:p14="http://schemas.microsoft.com/office/powerpoint/2010/main" val="4201719189"/>
+      </p:ext>
+    </p:extLst>
+  </p:cSld>
+  <p:clrMapOvr>
+    <a:masterClrMapping/>
+  </p:clrMapOvr>
+</p:sld>
+</file>
+
+<file path=ppt/slides/slide5.xml><?xml version="1.0" encoding="utf-8"?>
+<p:sld xmlns:a="http://schemas.openxmlformats.org/drawingml/2006/main" xmlns:r="http://schemas.openxmlformats.org/officeDocument/2006/relationships" xmlns:p="http://schemas.openxmlformats.org/presentationml/2006/main">
+  <p:cSld>
+    <p:spTree>
+      <p:nvGrpSpPr>
+        <p:cNvPr id="1" name=""/>
+        <p:cNvGrpSpPr/>
+        <p:nvPr/>
+      </p:nvGrpSpPr>
+      <p:grpSpPr>
+        <a:xfrm>
+          <a:off x="0" y="0"/>
+          <a:ext cx="0" cy="0"/>
+          <a:chOff x="0" y="0"/>
+          <a:chExt cx="0" cy="0"/>
+        </a:xfrm>
+      </p:grpSpPr>
+      <p:sp>
+        <p:nvSpPr>
+          <p:cNvPr id="2" name="Title 1">
+            <a:extLst>
+              <a:ext uri="{FF2B5EF4-FFF2-40B4-BE49-F238E27FC236}">
                 <a16:creationId xmlns:a16="http://schemas.microsoft.com/office/drawing/2014/main" id="{9B202879-02B0-F180-6AA2-56877C62FCBB}"/>
               </a:ext>
             </a:extLst>
@@ -4198,7 +4347,7 @@
 </p:sld>
 </file>
 
-<file path=ppt/slides/slide5.xml><?xml version="1.0" encoding="utf-8"?>
+<file path=ppt/slides/slide6.xml><?xml version="1.0" encoding="utf-8"?>
 <p:sld xmlns:a="http://schemas.openxmlformats.org/drawingml/2006/main" xmlns:r="http://schemas.openxmlformats.org/officeDocument/2006/relationships" xmlns:p="http://schemas.openxmlformats.org/presentationml/2006/main">
   <p:cSld>
     <p:spTree>
